--- a/ppt 16-9/0391.智慧的人.pptx
+++ b/ppt 16-9/0391.智慧的人.pptx
@@ -129,7 +129,7 @@
           <p:cNvPr id="2" name="标题 1">
             <a:extLst>
               <a:ext uri="{FF2B5EF4-FFF2-40B4-BE49-F238E27FC236}">
-                <a16:creationId xmlns:a16="http://schemas.microsoft.com/office/drawing/2014/main" id="{E6A9D29F-E805-0408-A56C-A4769DC30025}"/>
+                <a16:creationId xmlns:a16="http://schemas.microsoft.com/office/drawing/2014/main" id="{793CB697-14EA-F7AE-FD4B-C03AA72A0BAA}"/>
               </a:ext>
             </a:extLst>
           </p:cNvPr>
@@ -166,7 +166,7 @@
           <p:cNvPr id="3" name="副标题 2">
             <a:extLst>
               <a:ext uri="{FF2B5EF4-FFF2-40B4-BE49-F238E27FC236}">
-                <a16:creationId xmlns:a16="http://schemas.microsoft.com/office/drawing/2014/main" id="{C756D36F-BDD6-B721-E182-BBE056315617}"/>
+                <a16:creationId xmlns:a16="http://schemas.microsoft.com/office/drawing/2014/main" id="{A302D615-4AF6-DB34-BB61-57FF0AF3069F}"/>
               </a:ext>
             </a:extLst>
           </p:cNvPr>
@@ -236,7 +236,7 @@
           <p:cNvPr id="4" name="日期占位符 3">
             <a:extLst>
               <a:ext uri="{FF2B5EF4-FFF2-40B4-BE49-F238E27FC236}">
-                <a16:creationId xmlns:a16="http://schemas.microsoft.com/office/drawing/2014/main" id="{61ACC1CF-7DAD-141D-E4AF-A15C77700686}"/>
+                <a16:creationId xmlns:a16="http://schemas.microsoft.com/office/drawing/2014/main" id="{277DB344-5304-A506-FAA2-D57377109BA6}"/>
               </a:ext>
             </a:extLst>
           </p:cNvPr>
@@ -252,7 +252,7 @@
           <a:bodyPr/>
           <a:lstStyle/>
           <a:p>
-            <a:fld id="{EB4A04EB-F157-4542-BCA0-576B94CF2973}" type="datetimeFigureOut">
+            <a:fld id="{75350AD5-08AB-4404-82BE-01D1ACEA2085}" type="datetimeFigureOut">
               <a:rPr lang="zh-CN" altLang="en-US" smtClean="0"/>
               <a:t>2024/3/10</a:t>
             </a:fld>
@@ -265,7 +265,7 @@
           <p:cNvPr id="5" name="页脚占位符 4">
             <a:extLst>
               <a:ext uri="{FF2B5EF4-FFF2-40B4-BE49-F238E27FC236}">
-                <a16:creationId xmlns:a16="http://schemas.microsoft.com/office/drawing/2014/main" id="{D36BB972-4551-3746-51A8-2E7C1B29A186}"/>
+                <a16:creationId xmlns:a16="http://schemas.microsoft.com/office/drawing/2014/main" id="{35C06F28-C725-6A8B-BFF0-DDD3628CDB22}"/>
               </a:ext>
             </a:extLst>
           </p:cNvPr>
@@ -290,7 +290,7 @@
           <p:cNvPr id="6" name="灯片编号占位符 5">
             <a:extLst>
               <a:ext uri="{FF2B5EF4-FFF2-40B4-BE49-F238E27FC236}">
-                <a16:creationId xmlns:a16="http://schemas.microsoft.com/office/drawing/2014/main" id="{F3B57B45-5B4F-9062-F8CF-71F12BF7925B}"/>
+                <a16:creationId xmlns:a16="http://schemas.microsoft.com/office/drawing/2014/main" id="{9C60F68C-C355-6F9F-3873-B4C0F7E4DD4E}"/>
               </a:ext>
             </a:extLst>
           </p:cNvPr>
@@ -306,7 +306,7 @@
           <a:bodyPr/>
           <a:lstStyle/>
           <a:p>
-            <a:fld id="{FA725127-6D93-4853-83D3-A5EF3C28C517}" type="slidenum">
+            <a:fld id="{BFAA7688-7D9C-41E7-884E-6A8B95D6FE8A}" type="slidenum">
               <a:rPr lang="zh-CN" altLang="en-US" smtClean="0"/>
               <a:t>‹#›</a:t>
             </a:fld>
@@ -317,7 +317,7 @@
     </p:spTree>
     <p:extLst>
       <p:ext uri="{BB962C8B-B14F-4D97-AF65-F5344CB8AC3E}">
-        <p14:creationId xmlns:p14="http://schemas.microsoft.com/office/powerpoint/2010/main" val="1305781012"/>
+        <p14:creationId xmlns:p14="http://schemas.microsoft.com/office/powerpoint/2010/main" val="3609371748"/>
       </p:ext>
     </p:extLst>
   </p:cSld>
@@ -349,7 +349,7 @@
           <p:cNvPr id="2" name="标题 1">
             <a:extLst>
               <a:ext uri="{FF2B5EF4-FFF2-40B4-BE49-F238E27FC236}">
-                <a16:creationId xmlns:a16="http://schemas.microsoft.com/office/drawing/2014/main" id="{A2D87AF1-5553-50B3-0136-4E13EE7C3F1D}"/>
+                <a16:creationId xmlns:a16="http://schemas.microsoft.com/office/drawing/2014/main" id="{0006E0B5-4E0D-2646-2ED7-0D96A8085C0F}"/>
               </a:ext>
             </a:extLst>
           </p:cNvPr>
@@ -377,7 +377,7 @@
           <p:cNvPr id="3" name="竖排文字占位符 2">
             <a:extLst>
               <a:ext uri="{FF2B5EF4-FFF2-40B4-BE49-F238E27FC236}">
-                <a16:creationId xmlns:a16="http://schemas.microsoft.com/office/drawing/2014/main" id="{26FEC7DC-7FBB-3A77-F604-AF50CB93AF2F}"/>
+                <a16:creationId xmlns:a16="http://schemas.microsoft.com/office/drawing/2014/main" id="{05594DDC-8DDB-B067-7271-F297B0F42292}"/>
               </a:ext>
             </a:extLst>
           </p:cNvPr>
@@ -434,7 +434,7 @@
           <p:cNvPr id="4" name="日期占位符 3">
             <a:extLst>
               <a:ext uri="{FF2B5EF4-FFF2-40B4-BE49-F238E27FC236}">
-                <a16:creationId xmlns:a16="http://schemas.microsoft.com/office/drawing/2014/main" id="{D0D4DC11-C35E-5DEF-950A-22366B7C9D61}"/>
+                <a16:creationId xmlns:a16="http://schemas.microsoft.com/office/drawing/2014/main" id="{A9A2E6A9-967F-AFD5-855F-3485475415B6}"/>
               </a:ext>
             </a:extLst>
           </p:cNvPr>
@@ -450,7 +450,7 @@
           <a:bodyPr/>
           <a:lstStyle/>
           <a:p>
-            <a:fld id="{EB4A04EB-F157-4542-BCA0-576B94CF2973}" type="datetimeFigureOut">
+            <a:fld id="{75350AD5-08AB-4404-82BE-01D1ACEA2085}" type="datetimeFigureOut">
               <a:rPr lang="zh-CN" altLang="en-US" smtClean="0"/>
               <a:t>2024/3/10</a:t>
             </a:fld>
@@ -463,7 +463,7 @@
           <p:cNvPr id="5" name="页脚占位符 4">
             <a:extLst>
               <a:ext uri="{FF2B5EF4-FFF2-40B4-BE49-F238E27FC236}">
-                <a16:creationId xmlns:a16="http://schemas.microsoft.com/office/drawing/2014/main" id="{DE9837BE-9D56-F50F-EB15-002989F27EB5}"/>
+                <a16:creationId xmlns:a16="http://schemas.microsoft.com/office/drawing/2014/main" id="{7A0778A4-1A8B-825B-A4DC-604A4E1C7C50}"/>
               </a:ext>
             </a:extLst>
           </p:cNvPr>
@@ -488,7 +488,7 @@
           <p:cNvPr id="6" name="灯片编号占位符 5">
             <a:extLst>
               <a:ext uri="{FF2B5EF4-FFF2-40B4-BE49-F238E27FC236}">
-                <a16:creationId xmlns:a16="http://schemas.microsoft.com/office/drawing/2014/main" id="{E9B0A8C6-3BFF-7237-2532-F3B2ADADCA52}"/>
+                <a16:creationId xmlns:a16="http://schemas.microsoft.com/office/drawing/2014/main" id="{2F2C40E5-2FDE-9F64-9065-2635744FCC8E}"/>
               </a:ext>
             </a:extLst>
           </p:cNvPr>
@@ -504,7 +504,7 @@
           <a:bodyPr/>
           <a:lstStyle/>
           <a:p>
-            <a:fld id="{FA725127-6D93-4853-83D3-A5EF3C28C517}" type="slidenum">
+            <a:fld id="{BFAA7688-7D9C-41E7-884E-6A8B95D6FE8A}" type="slidenum">
               <a:rPr lang="zh-CN" altLang="en-US" smtClean="0"/>
               <a:t>‹#›</a:t>
             </a:fld>
@@ -515,7 +515,7 @@
     </p:spTree>
     <p:extLst>
       <p:ext uri="{BB962C8B-B14F-4D97-AF65-F5344CB8AC3E}">
-        <p14:creationId xmlns:p14="http://schemas.microsoft.com/office/powerpoint/2010/main" val="1600841216"/>
+        <p14:creationId xmlns:p14="http://schemas.microsoft.com/office/powerpoint/2010/main" val="2437881658"/>
       </p:ext>
     </p:extLst>
   </p:cSld>
@@ -547,7 +547,7 @@
           <p:cNvPr id="2" name="竖排标题 1">
             <a:extLst>
               <a:ext uri="{FF2B5EF4-FFF2-40B4-BE49-F238E27FC236}">
-                <a16:creationId xmlns:a16="http://schemas.microsoft.com/office/drawing/2014/main" id="{75B9F6A6-D3B3-EA9D-C442-B3D178CF910C}"/>
+                <a16:creationId xmlns:a16="http://schemas.microsoft.com/office/drawing/2014/main" id="{3BE46A47-8381-7B31-602C-40235F9F73E8}"/>
               </a:ext>
             </a:extLst>
           </p:cNvPr>
@@ -580,7 +580,7 @@
           <p:cNvPr id="3" name="竖排文字占位符 2">
             <a:extLst>
               <a:ext uri="{FF2B5EF4-FFF2-40B4-BE49-F238E27FC236}">
-                <a16:creationId xmlns:a16="http://schemas.microsoft.com/office/drawing/2014/main" id="{106206D1-F66E-E3A9-367A-1072775BB601}"/>
+                <a16:creationId xmlns:a16="http://schemas.microsoft.com/office/drawing/2014/main" id="{8D3D8DDE-61A9-E8FE-12D1-F3A56C9E5F1F}"/>
               </a:ext>
             </a:extLst>
           </p:cNvPr>
@@ -642,7 +642,7 @@
           <p:cNvPr id="4" name="日期占位符 3">
             <a:extLst>
               <a:ext uri="{FF2B5EF4-FFF2-40B4-BE49-F238E27FC236}">
-                <a16:creationId xmlns:a16="http://schemas.microsoft.com/office/drawing/2014/main" id="{80DBB4B0-618A-8840-86A0-18A957ACCAC2}"/>
+                <a16:creationId xmlns:a16="http://schemas.microsoft.com/office/drawing/2014/main" id="{3B01602D-F420-DBF5-9EF8-8AA07DEE7B81}"/>
               </a:ext>
             </a:extLst>
           </p:cNvPr>
@@ -658,7 +658,7 @@
           <a:bodyPr/>
           <a:lstStyle/>
           <a:p>
-            <a:fld id="{EB4A04EB-F157-4542-BCA0-576B94CF2973}" type="datetimeFigureOut">
+            <a:fld id="{75350AD5-08AB-4404-82BE-01D1ACEA2085}" type="datetimeFigureOut">
               <a:rPr lang="zh-CN" altLang="en-US" smtClean="0"/>
               <a:t>2024/3/10</a:t>
             </a:fld>
@@ -671,7 +671,7 @@
           <p:cNvPr id="5" name="页脚占位符 4">
             <a:extLst>
               <a:ext uri="{FF2B5EF4-FFF2-40B4-BE49-F238E27FC236}">
-                <a16:creationId xmlns:a16="http://schemas.microsoft.com/office/drawing/2014/main" id="{CC056438-63E7-91CC-068E-4D499B190AE5}"/>
+                <a16:creationId xmlns:a16="http://schemas.microsoft.com/office/drawing/2014/main" id="{EC79683D-D5C9-ECB6-CCFE-F75DF395E022}"/>
               </a:ext>
             </a:extLst>
           </p:cNvPr>
@@ -696,7 +696,7 @@
           <p:cNvPr id="6" name="灯片编号占位符 5">
             <a:extLst>
               <a:ext uri="{FF2B5EF4-FFF2-40B4-BE49-F238E27FC236}">
-                <a16:creationId xmlns:a16="http://schemas.microsoft.com/office/drawing/2014/main" id="{026F1333-F98D-48F0-EA45-F82ED1931978}"/>
+                <a16:creationId xmlns:a16="http://schemas.microsoft.com/office/drawing/2014/main" id="{2E6CAFD0-DF4B-5A42-2D8F-863E433951D8}"/>
               </a:ext>
             </a:extLst>
           </p:cNvPr>
@@ -712,7 +712,7 @@
           <a:bodyPr/>
           <a:lstStyle/>
           <a:p>
-            <a:fld id="{FA725127-6D93-4853-83D3-A5EF3C28C517}" type="slidenum">
+            <a:fld id="{BFAA7688-7D9C-41E7-884E-6A8B95D6FE8A}" type="slidenum">
               <a:rPr lang="zh-CN" altLang="en-US" smtClean="0"/>
               <a:t>‹#›</a:t>
             </a:fld>
@@ -723,7 +723,7 @@
     </p:spTree>
     <p:extLst>
       <p:ext uri="{BB962C8B-B14F-4D97-AF65-F5344CB8AC3E}">
-        <p14:creationId xmlns:p14="http://schemas.microsoft.com/office/powerpoint/2010/main" val="2856293034"/>
+        <p14:creationId xmlns:p14="http://schemas.microsoft.com/office/powerpoint/2010/main" val="1276719766"/>
       </p:ext>
     </p:extLst>
   </p:cSld>
@@ -755,7 +755,7 @@
           <p:cNvPr id="2" name="标题 1">
             <a:extLst>
               <a:ext uri="{FF2B5EF4-FFF2-40B4-BE49-F238E27FC236}">
-                <a16:creationId xmlns:a16="http://schemas.microsoft.com/office/drawing/2014/main" id="{A4EA277F-D855-912A-8666-5A79AF95C3F6}"/>
+                <a16:creationId xmlns:a16="http://schemas.microsoft.com/office/drawing/2014/main" id="{1CB0198E-CAC2-35E3-C871-A2EFD2E776A5}"/>
               </a:ext>
             </a:extLst>
           </p:cNvPr>
@@ -783,7 +783,7 @@
           <p:cNvPr id="3" name="内容占位符 2">
             <a:extLst>
               <a:ext uri="{FF2B5EF4-FFF2-40B4-BE49-F238E27FC236}">
-                <a16:creationId xmlns:a16="http://schemas.microsoft.com/office/drawing/2014/main" id="{E6E9D184-5848-C332-F0D4-A187623F2319}"/>
+                <a16:creationId xmlns:a16="http://schemas.microsoft.com/office/drawing/2014/main" id="{2A0C047F-D212-05F2-9580-8ED76B7F4AC0}"/>
               </a:ext>
             </a:extLst>
           </p:cNvPr>
@@ -840,7 +840,7 @@
           <p:cNvPr id="4" name="日期占位符 3">
             <a:extLst>
               <a:ext uri="{FF2B5EF4-FFF2-40B4-BE49-F238E27FC236}">
-                <a16:creationId xmlns:a16="http://schemas.microsoft.com/office/drawing/2014/main" id="{9282B828-0398-083E-B69B-4F606496C9D1}"/>
+                <a16:creationId xmlns:a16="http://schemas.microsoft.com/office/drawing/2014/main" id="{965D8068-7465-FFDB-525D-0EBD0C3FBCE1}"/>
               </a:ext>
             </a:extLst>
           </p:cNvPr>
@@ -856,7 +856,7 @@
           <a:bodyPr/>
           <a:lstStyle/>
           <a:p>
-            <a:fld id="{EB4A04EB-F157-4542-BCA0-576B94CF2973}" type="datetimeFigureOut">
+            <a:fld id="{75350AD5-08AB-4404-82BE-01D1ACEA2085}" type="datetimeFigureOut">
               <a:rPr lang="zh-CN" altLang="en-US" smtClean="0"/>
               <a:t>2024/3/10</a:t>
             </a:fld>
@@ -869,7 +869,7 @@
           <p:cNvPr id="5" name="页脚占位符 4">
             <a:extLst>
               <a:ext uri="{FF2B5EF4-FFF2-40B4-BE49-F238E27FC236}">
-                <a16:creationId xmlns:a16="http://schemas.microsoft.com/office/drawing/2014/main" id="{DAD74EA6-B976-43E2-92FC-D36F71222A41}"/>
+                <a16:creationId xmlns:a16="http://schemas.microsoft.com/office/drawing/2014/main" id="{991BA54F-9397-D4C7-27D1-2A855F8092D0}"/>
               </a:ext>
             </a:extLst>
           </p:cNvPr>
@@ -894,7 +894,7 @@
           <p:cNvPr id="6" name="灯片编号占位符 5">
             <a:extLst>
               <a:ext uri="{FF2B5EF4-FFF2-40B4-BE49-F238E27FC236}">
-                <a16:creationId xmlns:a16="http://schemas.microsoft.com/office/drawing/2014/main" id="{F072A5A6-3913-A580-E981-FA35D32C92C8}"/>
+                <a16:creationId xmlns:a16="http://schemas.microsoft.com/office/drawing/2014/main" id="{30AB008A-54BA-51E8-7D7C-0DED57C23275}"/>
               </a:ext>
             </a:extLst>
           </p:cNvPr>
@@ -910,7 +910,7 @@
           <a:bodyPr/>
           <a:lstStyle/>
           <a:p>
-            <a:fld id="{FA725127-6D93-4853-83D3-A5EF3C28C517}" type="slidenum">
+            <a:fld id="{BFAA7688-7D9C-41E7-884E-6A8B95D6FE8A}" type="slidenum">
               <a:rPr lang="zh-CN" altLang="en-US" smtClean="0"/>
               <a:t>‹#›</a:t>
             </a:fld>
@@ -921,7 +921,7 @@
     </p:spTree>
     <p:extLst>
       <p:ext uri="{BB962C8B-B14F-4D97-AF65-F5344CB8AC3E}">
-        <p14:creationId xmlns:p14="http://schemas.microsoft.com/office/powerpoint/2010/main" val="1225807389"/>
+        <p14:creationId xmlns:p14="http://schemas.microsoft.com/office/powerpoint/2010/main" val="1056698001"/>
       </p:ext>
     </p:extLst>
   </p:cSld>
@@ -953,7 +953,7 @@
           <p:cNvPr id="2" name="标题 1">
             <a:extLst>
               <a:ext uri="{FF2B5EF4-FFF2-40B4-BE49-F238E27FC236}">
-                <a16:creationId xmlns:a16="http://schemas.microsoft.com/office/drawing/2014/main" id="{35B5A538-709C-A64C-4421-CFC2BF69AABA}"/>
+                <a16:creationId xmlns:a16="http://schemas.microsoft.com/office/drawing/2014/main" id="{66DA5D4A-42F8-BB6A-7E25-29F323C8C23F}"/>
               </a:ext>
             </a:extLst>
           </p:cNvPr>
@@ -990,7 +990,7 @@
           <p:cNvPr id="3" name="文本占位符 2">
             <a:extLst>
               <a:ext uri="{FF2B5EF4-FFF2-40B4-BE49-F238E27FC236}">
-                <a16:creationId xmlns:a16="http://schemas.microsoft.com/office/drawing/2014/main" id="{6AA22177-35BF-532D-EFA2-C13FFC67F8C2}"/>
+                <a16:creationId xmlns:a16="http://schemas.microsoft.com/office/drawing/2014/main" id="{800B8B15-6F6A-37C0-46A1-B001ED9C1F64}"/>
               </a:ext>
             </a:extLst>
           </p:cNvPr>
@@ -1115,7 +1115,7 @@
           <p:cNvPr id="4" name="日期占位符 3">
             <a:extLst>
               <a:ext uri="{FF2B5EF4-FFF2-40B4-BE49-F238E27FC236}">
-                <a16:creationId xmlns:a16="http://schemas.microsoft.com/office/drawing/2014/main" id="{316FCFF5-355A-4C86-B6DA-294C650C26F5}"/>
+                <a16:creationId xmlns:a16="http://schemas.microsoft.com/office/drawing/2014/main" id="{1BAF4255-D756-2831-DDDE-C37F9834E467}"/>
               </a:ext>
             </a:extLst>
           </p:cNvPr>
@@ -1131,7 +1131,7 @@
           <a:bodyPr/>
           <a:lstStyle/>
           <a:p>
-            <a:fld id="{EB4A04EB-F157-4542-BCA0-576B94CF2973}" type="datetimeFigureOut">
+            <a:fld id="{75350AD5-08AB-4404-82BE-01D1ACEA2085}" type="datetimeFigureOut">
               <a:rPr lang="zh-CN" altLang="en-US" smtClean="0"/>
               <a:t>2024/3/10</a:t>
             </a:fld>
@@ -1144,7 +1144,7 @@
           <p:cNvPr id="5" name="页脚占位符 4">
             <a:extLst>
               <a:ext uri="{FF2B5EF4-FFF2-40B4-BE49-F238E27FC236}">
-                <a16:creationId xmlns:a16="http://schemas.microsoft.com/office/drawing/2014/main" id="{B9E0EEDE-DB25-FC3E-3BCB-0F908103F4C6}"/>
+                <a16:creationId xmlns:a16="http://schemas.microsoft.com/office/drawing/2014/main" id="{589EF99C-4C11-D837-DB42-843EF10DD7E8}"/>
               </a:ext>
             </a:extLst>
           </p:cNvPr>
@@ -1169,7 +1169,7 @@
           <p:cNvPr id="6" name="灯片编号占位符 5">
             <a:extLst>
               <a:ext uri="{FF2B5EF4-FFF2-40B4-BE49-F238E27FC236}">
-                <a16:creationId xmlns:a16="http://schemas.microsoft.com/office/drawing/2014/main" id="{A32F7911-0B0B-E076-279D-74E4358D4541}"/>
+                <a16:creationId xmlns:a16="http://schemas.microsoft.com/office/drawing/2014/main" id="{499448CA-8A83-063A-6716-4DC54F64CD95}"/>
               </a:ext>
             </a:extLst>
           </p:cNvPr>
@@ -1185,7 +1185,7 @@
           <a:bodyPr/>
           <a:lstStyle/>
           <a:p>
-            <a:fld id="{FA725127-6D93-4853-83D3-A5EF3C28C517}" type="slidenum">
+            <a:fld id="{BFAA7688-7D9C-41E7-884E-6A8B95D6FE8A}" type="slidenum">
               <a:rPr lang="zh-CN" altLang="en-US" smtClean="0"/>
               <a:t>‹#›</a:t>
             </a:fld>
@@ -1196,7 +1196,7 @@
     </p:spTree>
     <p:extLst>
       <p:ext uri="{BB962C8B-B14F-4D97-AF65-F5344CB8AC3E}">
-        <p14:creationId xmlns:p14="http://schemas.microsoft.com/office/powerpoint/2010/main" val="463000666"/>
+        <p14:creationId xmlns:p14="http://schemas.microsoft.com/office/powerpoint/2010/main" val="887739408"/>
       </p:ext>
     </p:extLst>
   </p:cSld>
@@ -1228,7 +1228,7 @@
           <p:cNvPr id="2" name="标题 1">
             <a:extLst>
               <a:ext uri="{FF2B5EF4-FFF2-40B4-BE49-F238E27FC236}">
-                <a16:creationId xmlns:a16="http://schemas.microsoft.com/office/drawing/2014/main" id="{EC8EB358-F2E8-46DC-FA0E-5D61BDB727F3}"/>
+                <a16:creationId xmlns:a16="http://schemas.microsoft.com/office/drawing/2014/main" id="{B5558E37-2082-B58F-0890-DD805707A024}"/>
               </a:ext>
             </a:extLst>
           </p:cNvPr>
@@ -1256,7 +1256,7 @@
           <p:cNvPr id="3" name="内容占位符 2">
             <a:extLst>
               <a:ext uri="{FF2B5EF4-FFF2-40B4-BE49-F238E27FC236}">
-                <a16:creationId xmlns:a16="http://schemas.microsoft.com/office/drawing/2014/main" id="{5530816D-4DE8-B0AC-9291-B7209217E201}"/>
+                <a16:creationId xmlns:a16="http://schemas.microsoft.com/office/drawing/2014/main" id="{8CF3DDF2-862B-4D6D-A8B6-C4E3480C5CEC}"/>
               </a:ext>
             </a:extLst>
           </p:cNvPr>
@@ -1318,7 +1318,7 @@
           <p:cNvPr id="4" name="内容占位符 3">
             <a:extLst>
               <a:ext uri="{FF2B5EF4-FFF2-40B4-BE49-F238E27FC236}">
-                <a16:creationId xmlns:a16="http://schemas.microsoft.com/office/drawing/2014/main" id="{9E11BAF8-4188-B760-F3E9-EE0C8C37C1BC}"/>
+                <a16:creationId xmlns:a16="http://schemas.microsoft.com/office/drawing/2014/main" id="{7047149C-5575-D9FE-FEBD-598CD0410D0D}"/>
               </a:ext>
             </a:extLst>
           </p:cNvPr>
@@ -1380,7 +1380,7 @@
           <p:cNvPr id="5" name="日期占位符 4">
             <a:extLst>
               <a:ext uri="{FF2B5EF4-FFF2-40B4-BE49-F238E27FC236}">
-                <a16:creationId xmlns:a16="http://schemas.microsoft.com/office/drawing/2014/main" id="{520AD58D-DCB2-C294-19A2-391724A6B5A9}"/>
+                <a16:creationId xmlns:a16="http://schemas.microsoft.com/office/drawing/2014/main" id="{C1876AFD-3182-49D1-EC50-FEECCA4A393E}"/>
               </a:ext>
             </a:extLst>
           </p:cNvPr>
@@ -1396,7 +1396,7 @@
           <a:bodyPr/>
           <a:lstStyle/>
           <a:p>
-            <a:fld id="{EB4A04EB-F157-4542-BCA0-576B94CF2973}" type="datetimeFigureOut">
+            <a:fld id="{75350AD5-08AB-4404-82BE-01D1ACEA2085}" type="datetimeFigureOut">
               <a:rPr lang="zh-CN" altLang="en-US" smtClean="0"/>
               <a:t>2024/3/10</a:t>
             </a:fld>
@@ -1409,7 +1409,7 @@
           <p:cNvPr id="6" name="页脚占位符 5">
             <a:extLst>
               <a:ext uri="{FF2B5EF4-FFF2-40B4-BE49-F238E27FC236}">
-                <a16:creationId xmlns:a16="http://schemas.microsoft.com/office/drawing/2014/main" id="{77B18D3E-B11E-0640-5E18-6DC91F932C23}"/>
+                <a16:creationId xmlns:a16="http://schemas.microsoft.com/office/drawing/2014/main" id="{AAF10676-FA2A-DEB9-230A-75EE96F82A5D}"/>
               </a:ext>
             </a:extLst>
           </p:cNvPr>
@@ -1434,7 +1434,7 @@
           <p:cNvPr id="7" name="灯片编号占位符 6">
             <a:extLst>
               <a:ext uri="{FF2B5EF4-FFF2-40B4-BE49-F238E27FC236}">
-                <a16:creationId xmlns:a16="http://schemas.microsoft.com/office/drawing/2014/main" id="{BF9500E7-E385-A3D0-7F6B-C4806090E743}"/>
+                <a16:creationId xmlns:a16="http://schemas.microsoft.com/office/drawing/2014/main" id="{7483F03C-8B37-B4B6-4A3A-3F2025FD0F40}"/>
               </a:ext>
             </a:extLst>
           </p:cNvPr>
@@ -1450,7 +1450,7 @@
           <a:bodyPr/>
           <a:lstStyle/>
           <a:p>
-            <a:fld id="{FA725127-6D93-4853-83D3-A5EF3C28C517}" type="slidenum">
+            <a:fld id="{BFAA7688-7D9C-41E7-884E-6A8B95D6FE8A}" type="slidenum">
               <a:rPr lang="zh-CN" altLang="en-US" smtClean="0"/>
               <a:t>‹#›</a:t>
             </a:fld>
@@ -1461,7 +1461,7 @@
     </p:spTree>
     <p:extLst>
       <p:ext uri="{BB962C8B-B14F-4D97-AF65-F5344CB8AC3E}">
-        <p14:creationId xmlns:p14="http://schemas.microsoft.com/office/powerpoint/2010/main" val="608273681"/>
+        <p14:creationId xmlns:p14="http://schemas.microsoft.com/office/powerpoint/2010/main" val="3412010042"/>
       </p:ext>
     </p:extLst>
   </p:cSld>
@@ -1493,7 +1493,7 @@
           <p:cNvPr id="2" name="标题 1">
             <a:extLst>
               <a:ext uri="{FF2B5EF4-FFF2-40B4-BE49-F238E27FC236}">
-                <a16:creationId xmlns:a16="http://schemas.microsoft.com/office/drawing/2014/main" id="{F734F297-6547-3CC2-1108-76BAEBF4F6A7}"/>
+                <a16:creationId xmlns:a16="http://schemas.microsoft.com/office/drawing/2014/main" id="{90DB15EA-E203-8F11-BEC7-8B27E4EE9F11}"/>
               </a:ext>
             </a:extLst>
           </p:cNvPr>
@@ -1526,7 +1526,7 @@
           <p:cNvPr id="3" name="文本占位符 2">
             <a:extLst>
               <a:ext uri="{FF2B5EF4-FFF2-40B4-BE49-F238E27FC236}">
-                <a16:creationId xmlns:a16="http://schemas.microsoft.com/office/drawing/2014/main" id="{61FE13E5-E579-A1A4-0E3C-7BB0556519C0}"/>
+                <a16:creationId xmlns:a16="http://schemas.microsoft.com/office/drawing/2014/main" id="{AFCD309B-B5AC-17B7-9112-E95174CF37C0}"/>
               </a:ext>
             </a:extLst>
           </p:cNvPr>
@@ -1597,7 +1597,7 @@
           <p:cNvPr id="4" name="内容占位符 3">
             <a:extLst>
               <a:ext uri="{FF2B5EF4-FFF2-40B4-BE49-F238E27FC236}">
-                <a16:creationId xmlns:a16="http://schemas.microsoft.com/office/drawing/2014/main" id="{56BC5595-0781-4BC8-778C-F5B8DF917820}"/>
+                <a16:creationId xmlns:a16="http://schemas.microsoft.com/office/drawing/2014/main" id="{B6AFE5DD-9072-FAD4-CF15-BA237DD72C70}"/>
               </a:ext>
             </a:extLst>
           </p:cNvPr>
@@ -1659,7 +1659,7 @@
           <p:cNvPr id="5" name="文本占位符 4">
             <a:extLst>
               <a:ext uri="{FF2B5EF4-FFF2-40B4-BE49-F238E27FC236}">
-                <a16:creationId xmlns:a16="http://schemas.microsoft.com/office/drawing/2014/main" id="{8F2730D6-AB24-BF35-E69F-918726448781}"/>
+                <a16:creationId xmlns:a16="http://schemas.microsoft.com/office/drawing/2014/main" id="{DD3538E8-7E99-5E1A-0ACD-F81FB4786956}"/>
               </a:ext>
             </a:extLst>
           </p:cNvPr>
@@ -1730,7 +1730,7 @@
           <p:cNvPr id="6" name="内容占位符 5">
             <a:extLst>
               <a:ext uri="{FF2B5EF4-FFF2-40B4-BE49-F238E27FC236}">
-                <a16:creationId xmlns:a16="http://schemas.microsoft.com/office/drawing/2014/main" id="{8CDE5DAF-CF8B-C95E-5821-40BAFF0C5A42}"/>
+                <a16:creationId xmlns:a16="http://schemas.microsoft.com/office/drawing/2014/main" id="{F6BCD5DB-4C2B-9016-E0DE-D695434DB5C7}"/>
               </a:ext>
             </a:extLst>
           </p:cNvPr>
@@ -1792,7 +1792,7 @@
           <p:cNvPr id="7" name="日期占位符 6">
             <a:extLst>
               <a:ext uri="{FF2B5EF4-FFF2-40B4-BE49-F238E27FC236}">
-                <a16:creationId xmlns:a16="http://schemas.microsoft.com/office/drawing/2014/main" id="{9EA5769F-2677-4075-35C6-EF0D8AF93690}"/>
+                <a16:creationId xmlns:a16="http://schemas.microsoft.com/office/drawing/2014/main" id="{97AECCBD-52F4-C854-1794-14F932A1F88D}"/>
               </a:ext>
             </a:extLst>
           </p:cNvPr>
@@ -1808,7 +1808,7 @@
           <a:bodyPr/>
           <a:lstStyle/>
           <a:p>
-            <a:fld id="{EB4A04EB-F157-4542-BCA0-576B94CF2973}" type="datetimeFigureOut">
+            <a:fld id="{75350AD5-08AB-4404-82BE-01D1ACEA2085}" type="datetimeFigureOut">
               <a:rPr lang="zh-CN" altLang="en-US" smtClean="0"/>
               <a:t>2024/3/10</a:t>
             </a:fld>
@@ -1821,7 +1821,7 @@
           <p:cNvPr id="8" name="页脚占位符 7">
             <a:extLst>
               <a:ext uri="{FF2B5EF4-FFF2-40B4-BE49-F238E27FC236}">
-                <a16:creationId xmlns:a16="http://schemas.microsoft.com/office/drawing/2014/main" id="{011957F3-6DB7-AA61-2180-20BC3F7D8A55}"/>
+                <a16:creationId xmlns:a16="http://schemas.microsoft.com/office/drawing/2014/main" id="{D4A6F102-D99C-5835-D340-639B3718B99A}"/>
               </a:ext>
             </a:extLst>
           </p:cNvPr>
@@ -1846,7 +1846,7 @@
           <p:cNvPr id="9" name="灯片编号占位符 8">
             <a:extLst>
               <a:ext uri="{FF2B5EF4-FFF2-40B4-BE49-F238E27FC236}">
-                <a16:creationId xmlns:a16="http://schemas.microsoft.com/office/drawing/2014/main" id="{79D2F0E0-CE5D-5A65-5C52-1BDAE1EDBDD5}"/>
+                <a16:creationId xmlns:a16="http://schemas.microsoft.com/office/drawing/2014/main" id="{A0169337-E40C-7309-326C-495CEAEECF0F}"/>
               </a:ext>
             </a:extLst>
           </p:cNvPr>
@@ -1862,7 +1862,7 @@
           <a:bodyPr/>
           <a:lstStyle/>
           <a:p>
-            <a:fld id="{FA725127-6D93-4853-83D3-A5EF3C28C517}" type="slidenum">
+            <a:fld id="{BFAA7688-7D9C-41E7-884E-6A8B95D6FE8A}" type="slidenum">
               <a:rPr lang="zh-CN" altLang="en-US" smtClean="0"/>
               <a:t>‹#›</a:t>
             </a:fld>
@@ -1873,7 +1873,7 @@
     </p:spTree>
     <p:extLst>
       <p:ext uri="{BB962C8B-B14F-4D97-AF65-F5344CB8AC3E}">
-        <p14:creationId xmlns:p14="http://schemas.microsoft.com/office/powerpoint/2010/main" val="3230894042"/>
+        <p14:creationId xmlns:p14="http://schemas.microsoft.com/office/powerpoint/2010/main" val="1868982753"/>
       </p:ext>
     </p:extLst>
   </p:cSld>
@@ -1905,7 +1905,7 @@
           <p:cNvPr id="2" name="标题 1">
             <a:extLst>
               <a:ext uri="{FF2B5EF4-FFF2-40B4-BE49-F238E27FC236}">
-                <a16:creationId xmlns:a16="http://schemas.microsoft.com/office/drawing/2014/main" id="{FA5272AF-D6F3-0532-8A24-DBF25FD57F8A}"/>
+                <a16:creationId xmlns:a16="http://schemas.microsoft.com/office/drawing/2014/main" id="{DECD584E-CF2A-C91A-5A0F-976877262BAF}"/>
               </a:ext>
             </a:extLst>
           </p:cNvPr>
@@ -1933,7 +1933,7 @@
           <p:cNvPr id="3" name="日期占位符 2">
             <a:extLst>
               <a:ext uri="{FF2B5EF4-FFF2-40B4-BE49-F238E27FC236}">
-                <a16:creationId xmlns:a16="http://schemas.microsoft.com/office/drawing/2014/main" id="{1AB72267-2FE0-2FFA-8547-AB1917DF9CC7}"/>
+                <a16:creationId xmlns:a16="http://schemas.microsoft.com/office/drawing/2014/main" id="{BBE99839-BE87-4E11-5CAF-9DBDDD31F829}"/>
               </a:ext>
             </a:extLst>
           </p:cNvPr>
@@ -1949,7 +1949,7 @@
           <a:bodyPr/>
           <a:lstStyle/>
           <a:p>
-            <a:fld id="{EB4A04EB-F157-4542-BCA0-576B94CF2973}" type="datetimeFigureOut">
+            <a:fld id="{75350AD5-08AB-4404-82BE-01D1ACEA2085}" type="datetimeFigureOut">
               <a:rPr lang="zh-CN" altLang="en-US" smtClean="0"/>
               <a:t>2024/3/10</a:t>
             </a:fld>
@@ -1962,7 +1962,7 @@
           <p:cNvPr id="4" name="页脚占位符 3">
             <a:extLst>
               <a:ext uri="{FF2B5EF4-FFF2-40B4-BE49-F238E27FC236}">
-                <a16:creationId xmlns:a16="http://schemas.microsoft.com/office/drawing/2014/main" id="{F0E00D8E-398F-B213-EE8B-2949BB47BA6D}"/>
+                <a16:creationId xmlns:a16="http://schemas.microsoft.com/office/drawing/2014/main" id="{DFCFAE21-5CBE-8B11-2029-44F2D0BED310}"/>
               </a:ext>
             </a:extLst>
           </p:cNvPr>
@@ -1987,7 +1987,7 @@
           <p:cNvPr id="5" name="灯片编号占位符 4">
             <a:extLst>
               <a:ext uri="{FF2B5EF4-FFF2-40B4-BE49-F238E27FC236}">
-                <a16:creationId xmlns:a16="http://schemas.microsoft.com/office/drawing/2014/main" id="{0B5684AB-4FE2-57D4-0AAE-3B52CDCC7D37}"/>
+                <a16:creationId xmlns:a16="http://schemas.microsoft.com/office/drawing/2014/main" id="{7E814B4A-D09F-42BF-E1EC-D4BB1C96527E}"/>
               </a:ext>
             </a:extLst>
           </p:cNvPr>
@@ -2003,7 +2003,7 @@
           <a:bodyPr/>
           <a:lstStyle/>
           <a:p>
-            <a:fld id="{FA725127-6D93-4853-83D3-A5EF3C28C517}" type="slidenum">
+            <a:fld id="{BFAA7688-7D9C-41E7-884E-6A8B95D6FE8A}" type="slidenum">
               <a:rPr lang="zh-CN" altLang="en-US" smtClean="0"/>
               <a:t>‹#›</a:t>
             </a:fld>
@@ -2014,7 +2014,7 @@
     </p:spTree>
     <p:extLst>
       <p:ext uri="{BB962C8B-B14F-4D97-AF65-F5344CB8AC3E}">
-        <p14:creationId xmlns:p14="http://schemas.microsoft.com/office/powerpoint/2010/main" val="717816633"/>
+        <p14:creationId xmlns:p14="http://schemas.microsoft.com/office/powerpoint/2010/main" val="3455762097"/>
       </p:ext>
     </p:extLst>
   </p:cSld>
@@ -2046,7 +2046,7 @@
           <p:cNvPr id="2" name="日期占位符 1">
             <a:extLst>
               <a:ext uri="{FF2B5EF4-FFF2-40B4-BE49-F238E27FC236}">
-                <a16:creationId xmlns:a16="http://schemas.microsoft.com/office/drawing/2014/main" id="{66784C83-803A-87C5-7AAB-1BA0C9A00900}"/>
+                <a16:creationId xmlns:a16="http://schemas.microsoft.com/office/drawing/2014/main" id="{0637986C-9705-8832-8923-C759FDB3128C}"/>
               </a:ext>
             </a:extLst>
           </p:cNvPr>
@@ -2062,7 +2062,7 @@
           <a:bodyPr/>
           <a:lstStyle/>
           <a:p>
-            <a:fld id="{EB4A04EB-F157-4542-BCA0-576B94CF2973}" type="datetimeFigureOut">
+            <a:fld id="{75350AD5-08AB-4404-82BE-01D1ACEA2085}" type="datetimeFigureOut">
               <a:rPr lang="zh-CN" altLang="en-US" smtClean="0"/>
               <a:t>2024/3/10</a:t>
             </a:fld>
@@ -2075,7 +2075,7 @@
           <p:cNvPr id="3" name="页脚占位符 2">
             <a:extLst>
               <a:ext uri="{FF2B5EF4-FFF2-40B4-BE49-F238E27FC236}">
-                <a16:creationId xmlns:a16="http://schemas.microsoft.com/office/drawing/2014/main" id="{664F12D7-CE31-3893-8421-818E07D08581}"/>
+                <a16:creationId xmlns:a16="http://schemas.microsoft.com/office/drawing/2014/main" id="{9C60FC1F-789D-4EFF-DD0E-3F00499AC1AA}"/>
               </a:ext>
             </a:extLst>
           </p:cNvPr>
@@ -2100,7 +2100,7 @@
           <p:cNvPr id="4" name="灯片编号占位符 3">
             <a:extLst>
               <a:ext uri="{FF2B5EF4-FFF2-40B4-BE49-F238E27FC236}">
-                <a16:creationId xmlns:a16="http://schemas.microsoft.com/office/drawing/2014/main" id="{FC49821E-297D-E3A5-44D5-CC114D6C459E}"/>
+                <a16:creationId xmlns:a16="http://schemas.microsoft.com/office/drawing/2014/main" id="{77CC3608-D0C6-CF2A-5E4E-83AB40E726F2}"/>
               </a:ext>
             </a:extLst>
           </p:cNvPr>
@@ -2116,7 +2116,7 @@
           <a:bodyPr/>
           <a:lstStyle/>
           <a:p>
-            <a:fld id="{FA725127-6D93-4853-83D3-A5EF3C28C517}" type="slidenum">
+            <a:fld id="{BFAA7688-7D9C-41E7-884E-6A8B95D6FE8A}" type="slidenum">
               <a:rPr lang="zh-CN" altLang="en-US" smtClean="0"/>
               <a:t>‹#›</a:t>
             </a:fld>
@@ -2127,7 +2127,7 @@
     </p:spTree>
     <p:extLst>
       <p:ext uri="{BB962C8B-B14F-4D97-AF65-F5344CB8AC3E}">
-        <p14:creationId xmlns:p14="http://schemas.microsoft.com/office/powerpoint/2010/main" val="1322722382"/>
+        <p14:creationId xmlns:p14="http://schemas.microsoft.com/office/powerpoint/2010/main" val="251025582"/>
       </p:ext>
     </p:extLst>
   </p:cSld>
@@ -2159,7 +2159,7 @@
           <p:cNvPr id="2" name="标题 1">
             <a:extLst>
               <a:ext uri="{FF2B5EF4-FFF2-40B4-BE49-F238E27FC236}">
-                <a16:creationId xmlns:a16="http://schemas.microsoft.com/office/drawing/2014/main" id="{2DED2F29-7A1A-F184-23F0-6B5460430107}"/>
+                <a16:creationId xmlns:a16="http://schemas.microsoft.com/office/drawing/2014/main" id="{3F898F31-8AF5-9692-F004-26E368D785FA}"/>
               </a:ext>
             </a:extLst>
           </p:cNvPr>
@@ -2196,7 +2196,7 @@
           <p:cNvPr id="3" name="内容占位符 2">
             <a:extLst>
               <a:ext uri="{FF2B5EF4-FFF2-40B4-BE49-F238E27FC236}">
-                <a16:creationId xmlns:a16="http://schemas.microsoft.com/office/drawing/2014/main" id="{59AF5162-4961-CF6E-C7CC-D63AA0582852}"/>
+                <a16:creationId xmlns:a16="http://schemas.microsoft.com/office/drawing/2014/main" id="{DBE94893-CDF1-064E-38D7-D459829A062C}"/>
               </a:ext>
             </a:extLst>
           </p:cNvPr>
@@ -2286,7 +2286,7 @@
           <p:cNvPr id="4" name="文本占位符 3">
             <a:extLst>
               <a:ext uri="{FF2B5EF4-FFF2-40B4-BE49-F238E27FC236}">
-                <a16:creationId xmlns:a16="http://schemas.microsoft.com/office/drawing/2014/main" id="{5902B183-88AB-28B5-CF1B-C41B09D4F8D7}"/>
+                <a16:creationId xmlns:a16="http://schemas.microsoft.com/office/drawing/2014/main" id="{0669F0B2-9E2B-84FA-C565-4BDB451626F8}"/>
               </a:ext>
             </a:extLst>
           </p:cNvPr>
@@ -2357,7 +2357,7 @@
           <p:cNvPr id="5" name="日期占位符 4">
             <a:extLst>
               <a:ext uri="{FF2B5EF4-FFF2-40B4-BE49-F238E27FC236}">
-                <a16:creationId xmlns:a16="http://schemas.microsoft.com/office/drawing/2014/main" id="{4E8D110E-5823-9C5A-002E-54340C5CBEB8}"/>
+                <a16:creationId xmlns:a16="http://schemas.microsoft.com/office/drawing/2014/main" id="{80B83C5B-DD53-3E8F-E300-9BC255105233}"/>
               </a:ext>
             </a:extLst>
           </p:cNvPr>
@@ -2373,7 +2373,7 @@
           <a:bodyPr/>
           <a:lstStyle/>
           <a:p>
-            <a:fld id="{EB4A04EB-F157-4542-BCA0-576B94CF2973}" type="datetimeFigureOut">
+            <a:fld id="{75350AD5-08AB-4404-82BE-01D1ACEA2085}" type="datetimeFigureOut">
               <a:rPr lang="zh-CN" altLang="en-US" smtClean="0"/>
               <a:t>2024/3/10</a:t>
             </a:fld>
@@ -2386,7 +2386,7 @@
           <p:cNvPr id="6" name="页脚占位符 5">
             <a:extLst>
               <a:ext uri="{FF2B5EF4-FFF2-40B4-BE49-F238E27FC236}">
-                <a16:creationId xmlns:a16="http://schemas.microsoft.com/office/drawing/2014/main" id="{9CC44F43-6A26-6AE2-29BE-9EC55597C2D5}"/>
+                <a16:creationId xmlns:a16="http://schemas.microsoft.com/office/drawing/2014/main" id="{5E62F275-822D-6423-3B1F-0FA19BB968C1}"/>
               </a:ext>
             </a:extLst>
           </p:cNvPr>
@@ -2411,7 +2411,7 @@
           <p:cNvPr id="7" name="灯片编号占位符 6">
             <a:extLst>
               <a:ext uri="{FF2B5EF4-FFF2-40B4-BE49-F238E27FC236}">
-                <a16:creationId xmlns:a16="http://schemas.microsoft.com/office/drawing/2014/main" id="{822C8849-12BC-C84B-DBB7-630766BEE924}"/>
+                <a16:creationId xmlns:a16="http://schemas.microsoft.com/office/drawing/2014/main" id="{FC52DE3C-A693-34C0-7ABE-64E5E50A9509}"/>
               </a:ext>
             </a:extLst>
           </p:cNvPr>
@@ -2427,7 +2427,7 @@
           <a:bodyPr/>
           <a:lstStyle/>
           <a:p>
-            <a:fld id="{FA725127-6D93-4853-83D3-A5EF3C28C517}" type="slidenum">
+            <a:fld id="{BFAA7688-7D9C-41E7-884E-6A8B95D6FE8A}" type="slidenum">
               <a:rPr lang="zh-CN" altLang="en-US" smtClean="0"/>
               <a:t>‹#›</a:t>
             </a:fld>
@@ -2438,7 +2438,7 @@
     </p:spTree>
     <p:extLst>
       <p:ext uri="{BB962C8B-B14F-4D97-AF65-F5344CB8AC3E}">
-        <p14:creationId xmlns:p14="http://schemas.microsoft.com/office/powerpoint/2010/main" val="207290214"/>
+        <p14:creationId xmlns:p14="http://schemas.microsoft.com/office/powerpoint/2010/main" val="2357937420"/>
       </p:ext>
     </p:extLst>
   </p:cSld>
@@ -2470,7 +2470,7 @@
           <p:cNvPr id="2" name="标题 1">
             <a:extLst>
               <a:ext uri="{FF2B5EF4-FFF2-40B4-BE49-F238E27FC236}">
-                <a16:creationId xmlns:a16="http://schemas.microsoft.com/office/drawing/2014/main" id="{A4C7F59A-4766-E735-A4BF-91C23F5B393F}"/>
+                <a16:creationId xmlns:a16="http://schemas.microsoft.com/office/drawing/2014/main" id="{6D6B329A-D1B9-2E53-6BB8-C597E3548593}"/>
               </a:ext>
             </a:extLst>
           </p:cNvPr>
@@ -2507,7 +2507,7 @@
           <p:cNvPr id="3" name="图片占位符 2">
             <a:extLst>
               <a:ext uri="{FF2B5EF4-FFF2-40B4-BE49-F238E27FC236}">
-                <a16:creationId xmlns:a16="http://schemas.microsoft.com/office/drawing/2014/main" id="{567DA533-339E-CB18-55D9-3D6FE08BA923}"/>
+                <a16:creationId xmlns:a16="http://schemas.microsoft.com/office/drawing/2014/main" id="{ED66846E-0C0E-CBE9-24CA-E3654C8B4DE8}"/>
               </a:ext>
             </a:extLst>
           </p:cNvPr>
@@ -2574,7 +2574,7 @@
           <p:cNvPr id="4" name="文本占位符 3">
             <a:extLst>
               <a:ext uri="{FF2B5EF4-FFF2-40B4-BE49-F238E27FC236}">
-                <a16:creationId xmlns:a16="http://schemas.microsoft.com/office/drawing/2014/main" id="{8D8CD06A-6C9B-75A8-BEBF-97156FF5F377}"/>
+                <a16:creationId xmlns:a16="http://schemas.microsoft.com/office/drawing/2014/main" id="{71E74D9D-4A8F-1E24-3BF7-1332461CD17A}"/>
               </a:ext>
             </a:extLst>
           </p:cNvPr>
@@ -2645,7 +2645,7 @@
           <p:cNvPr id="5" name="日期占位符 4">
             <a:extLst>
               <a:ext uri="{FF2B5EF4-FFF2-40B4-BE49-F238E27FC236}">
-                <a16:creationId xmlns:a16="http://schemas.microsoft.com/office/drawing/2014/main" id="{99C9FAC5-62BA-C29D-24D8-BE386C399121}"/>
+                <a16:creationId xmlns:a16="http://schemas.microsoft.com/office/drawing/2014/main" id="{B1CA599A-A558-A250-6D74-AB09E9EB361F}"/>
               </a:ext>
             </a:extLst>
           </p:cNvPr>
@@ -2661,7 +2661,7 @@
           <a:bodyPr/>
           <a:lstStyle/>
           <a:p>
-            <a:fld id="{EB4A04EB-F157-4542-BCA0-576B94CF2973}" type="datetimeFigureOut">
+            <a:fld id="{75350AD5-08AB-4404-82BE-01D1ACEA2085}" type="datetimeFigureOut">
               <a:rPr lang="zh-CN" altLang="en-US" smtClean="0"/>
               <a:t>2024/3/10</a:t>
             </a:fld>
@@ -2674,7 +2674,7 @@
           <p:cNvPr id="6" name="页脚占位符 5">
             <a:extLst>
               <a:ext uri="{FF2B5EF4-FFF2-40B4-BE49-F238E27FC236}">
-                <a16:creationId xmlns:a16="http://schemas.microsoft.com/office/drawing/2014/main" id="{0492CB2D-2D72-517D-72A9-FE42CD66204A}"/>
+                <a16:creationId xmlns:a16="http://schemas.microsoft.com/office/drawing/2014/main" id="{1943CF24-593F-8586-D5C5-AA5726AF41F6}"/>
               </a:ext>
             </a:extLst>
           </p:cNvPr>
@@ -2699,7 +2699,7 @@
           <p:cNvPr id="7" name="灯片编号占位符 6">
             <a:extLst>
               <a:ext uri="{FF2B5EF4-FFF2-40B4-BE49-F238E27FC236}">
-                <a16:creationId xmlns:a16="http://schemas.microsoft.com/office/drawing/2014/main" id="{A22D6796-47BB-E97C-9BDF-764F1AF71227}"/>
+                <a16:creationId xmlns:a16="http://schemas.microsoft.com/office/drawing/2014/main" id="{F1985F7E-E935-3174-5C4C-F3547A3BD860}"/>
               </a:ext>
             </a:extLst>
           </p:cNvPr>
@@ -2715,7 +2715,7 @@
           <a:bodyPr/>
           <a:lstStyle/>
           <a:p>
-            <a:fld id="{FA725127-6D93-4853-83D3-A5EF3C28C517}" type="slidenum">
+            <a:fld id="{BFAA7688-7D9C-41E7-884E-6A8B95D6FE8A}" type="slidenum">
               <a:rPr lang="zh-CN" altLang="en-US" smtClean="0"/>
               <a:t>‹#›</a:t>
             </a:fld>
@@ -2726,7 +2726,7 @@
     </p:spTree>
     <p:extLst>
       <p:ext uri="{BB962C8B-B14F-4D97-AF65-F5344CB8AC3E}">
-        <p14:creationId xmlns:p14="http://schemas.microsoft.com/office/powerpoint/2010/main" val="925037526"/>
+        <p14:creationId xmlns:p14="http://schemas.microsoft.com/office/powerpoint/2010/main" val="2273673055"/>
       </p:ext>
     </p:extLst>
   </p:cSld>
@@ -2763,7 +2763,7 @@
           <p:cNvPr id="2" name="标题占位符 1">
             <a:extLst>
               <a:ext uri="{FF2B5EF4-FFF2-40B4-BE49-F238E27FC236}">
-                <a16:creationId xmlns:a16="http://schemas.microsoft.com/office/drawing/2014/main" id="{94614157-75F7-238A-CE8A-618CD26BADD2}"/>
+                <a16:creationId xmlns:a16="http://schemas.microsoft.com/office/drawing/2014/main" id="{F694D610-EC74-6DB3-DED3-FCB5D262D17A}"/>
               </a:ext>
             </a:extLst>
           </p:cNvPr>
@@ -2801,7 +2801,7 @@
           <p:cNvPr id="3" name="文本占位符 2">
             <a:extLst>
               <a:ext uri="{FF2B5EF4-FFF2-40B4-BE49-F238E27FC236}">
-                <a16:creationId xmlns:a16="http://schemas.microsoft.com/office/drawing/2014/main" id="{D517642E-FA2E-A0D9-39AB-B86B20B549DC}"/>
+                <a16:creationId xmlns:a16="http://schemas.microsoft.com/office/drawing/2014/main" id="{DF7CD34B-C8A5-63CA-7660-A7878B18DC35}"/>
               </a:ext>
             </a:extLst>
           </p:cNvPr>
@@ -2868,7 +2868,7 @@
           <p:cNvPr id="4" name="日期占位符 3">
             <a:extLst>
               <a:ext uri="{FF2B5EF4-FFF2-40B4-BE49-F238E27FC236}">
-                <a16:creationId xmlns:a16="http://schemas.microsoft.com/office/drawing/2014/main" id="{720C62E2-697E-D0F1-5BEA-2195CF150743}"/>
+                <a16:creationId xmlns:a16="http://schemas.microsoft.com/office/drawing/2014/main" id="{249E904C-D8E0-F31D-32CE-4CFCD73B8257}"/>
               </a:ext>
             </a:extLst>
           </p:cNvPr>
@@ -2902,7 +2902,7 @@
             </a:lvl1pPr>
           </a:lstStyle>
           <a:p>
-            <a:fld id="{EB4A04EB-F157-4542-BCA0-576B94CF2973}" type="datetimeFigureOut">
+            <a:fld id="{75350AD5-08AB-4404-82BE-01D1ACEA2085}" type="datetimeFigureOut">
               <a:rPr lang="zh-CN" altLang="en-US" smtClean="0"/>
               <a:t>2024/3/10</a:t>
             </a:fld>
@@ -2915,7 +2915,7 @@
           <p:cNvPr id="5" name="页脚占位符 4">
             <a:extLst>
               <a:ext uri="{FF2B5EF4-FFF2-40B4-BE49-F238E27FC236}">
-                <a16:creationId xmlns:a16="http://schemas.microsoft.com/office/drawing/2014/main" id="{5A199485-F8B4-7F49-622B-1121BE114E4E}"/>
+                <a16:creationId xmlns:a16="http://schemas.microsoft.com/office/drawing/2014/main" id="{4A722717-2F5E-4E32-62CD-4BC3C8DA1333}"/>
               </a:ext>
             </a:extLst>
           </p:cNvPr>
@@ -2958,7 +2958,7 @@
           <p:cNvPr id="6" name="灯片编号占位符 5">
             <a:extLst>
               <a:ext uri="{FF2B5EF4-FFF2-40B4-BE49-F238E27FC236}">
-                <a16:creationId xmlns:a16="http://schemas.microsoft.com/office/drawing/2014/main" id="{2DF1BEB5-8BA5-E301-5FCA-B912A34429D8}"/>
+                <a16:creationId xmlns:a16="http://schemas.microsoft.com/office/drawing/2014/main" id="{82800AEF-7611-5155-DFE8-9A96CD67A77C}"/>
               </a:ext>
             </a:extLst>
           </p:cNvPr>
@@ -2992,7 +2992,7 @@
             </a:lvl1pPr>
           </a:lstStyle>
           <a:p>
-            <a:fld id="{FA725127-6D93-4853-83D3-A5EF3C28C517}" type="slidenum">
+            <a:fld id="{BFAA7688-7D9C-41E7-884E-6A8B95D6FE8A}" type="slidenum">
               <a:rPr lang="zh-CN" altLang="en-US" smtClean="0"/>
               <a:t>‹#›</a:t>
             </a:fld>
@@ -3003,7 +3003,7 @@
     </p:spTree>
     <p:extLst>
       <p:ext uri="{BB962C8B-B14F-4D97-AF65-F5344CB8AC3E}">
-        <p14:creationId xmlns:p14="http://schemas.microsoft.com/office/powerpoint/2010/main" val="3338972463"/>
+        <p14:creationId xmlns:p14="http://schemas.microsoft.com/office/powerpoint/2010/main" val="2570820309"/>
       </p:ext>
     </p:extLst>
   </p:cSld>
